--- a/ScreensAndVariables.pptx
+++ b/ScreensAndVariables.pptx
@@ -300,7 +300,7 @@
           <a:p>
             <a:fld id="{C39AE962-E632-4B08-9C68-8D946479B504}" type="datetimeFigureOut">
               <a:rPr lang="en-US" smtClean="0"/>
-              <a:t>11/11/2021</a:t>
+              <a:t>11/13/2021</a:t>
             </a:fld>
             <a:endParaRPr lang="en-US" dirty="0"/>
           </a:p>
@@ -498,7 +498,7 @@
           <a:p>
             <a:fld id="{C39AE962-E632-4B08-9C68-8D946479B504}" type="datetimeFigureOut">
               <a:rPr lang="en-US" smtClean="0"/>
-              <a:t>11/11/2021</a:t>
+              <a:t>11/13/2021</a:t>
             </a:fld>
             <a:endParaRPr lang="en-US" dirty="0"/>
           </a:p>
@@ -706,7 +706,7 @@
           <a:p>
             <a:fld id="{C39AE962-E632-4B08-9C68-8D946479B504}" type="datetimeFigureOut">
               <a:rPr lang="en-US" smtClean="0"/>
-              <a:t>11/11/2021</a:t>
+              <a:t>11/13/2021</a:t>
             </a:fld>
             <a:endParaRPr lang="en-US" dirty="0"/>
           </a:p>
@@ -904,7 +904,7 @@
           <a:p>
             <a:fld id="{C39AE962-E632-4B08-9C68-8D946479B504}" type="datetimeFigureOut">
               <a:rPr lang="en-US" smtClean="0"/>
-              <a:t>11/11/2021</a:t>
+              <a:t>11/13/2021</a:t>
             </a:fld>
             <a:endParaRPr lang="en-US" dirty="0"/>
           </a:p>
@@ -1179,7 +1179,7 @@
           <a:p>
             <a:fld id="{C39AE962-E632-4B08-9C68-8D946479B504}" type="datetimeFigureOut">
               <a:rPr lang="en-US" smtClean="0"/>
-              <a:t>11/11/2021</a:t>
+              <a:t>11/13/2021</a:t>
             </a:fld>
             <a:endParaRPr lang="en-US" dirty="0"/>
           </a:p>
@@ -1444,7 +1444,7 @@
           <a:p>
             <a:fld id="{C39AE962-E632-4B08-9C68-8D946479B504}" type="datetimeFigureOut">
               <a:rPr lang="en-US" smtClean="0"/>
-              <a:t>11/11/2021</a:t>
+              <a:t>11/13/2021</a:t>
             </a:fld>
             <a:endParaRPr lang="en-US" dirty="0"/>
           </a:p>
@@ -1856,7 +1856,7 @@
           <a:p>
             <a:fld id="{C39AE962-E632-4B08-9C68-8D946479B504}" type="datetimeFigureOut">
               <a:rPr lang="en-US" smtClean="0"/>
-              <a:t>11/11/2021</a:t>
+              <a:t>11/13/2021</a:t>
             </a:fld>
             <a:endParaRPr lang="en-US" dirty="0"/>
           </a:p>
@@ -1997,7 +1997,7 @@
           <a:p>
             <a:fld id="{C39AE962-E632-4B08-9C68-8D946479B504}" type="datetimeFigureOut">
               <a:rPr lang="en-US" smtClean="0"/>
-              <a:t>11/11/2021</a:t>
+              <a:t>11/13/2021</a:t>
             </a:fld>
             <a:endParaRPr lang="en-US" dirty="0"/>
           </a:p>
@@ -2110,7 +2110,7 @@
           <a:p>
             <a:fld id="{C39AE962-E632-4B08-9C68-8D946479B504}" type="datetimeFigureOut">
               <a:rPr lang="en-US" smtClean="0"/>
-              <a:t>11/11/2021</a:t>
+              <a:t>11/13/2021</a:t>
             </a:fld>
             <a:endParaRPr lang="en-US" dirty="0"/>
           </a:p>
@@ -2421,7 +2421,7 @@
           <a:p>
             <a:fld id="{C39AE962-E632-4B08-9C68-8D946479B504}" type="datetimeFigureOut">
               <a:rPr lang="en-US" smtClean="0"/>
-              <a:t>11/11/2021</a:t>
+              <a:t>11/13/2021</a:t>
             </a:fld>
             <a:endParaRPr lang="en-US" dirty="0"/>
           </a:p>
@@ -2709,7 +2709,7 @@
           <a:p>
             <a:fld id="{C39AE962-E632-4B08-9C68-8D946479B504}" type="datetimeFigureOut">
               <a:rPr lang="en-US" smtClean="0"/>
-              <a:t>11/11/2021</a:t>
+              <a:t>11/13/2021</a:t>
             </a:fld>
             <a:endParaRPr lang="en-US" dirty="0"/>
           </a:p>
@@ -2950,7 +2950,7 @@
           <a:p>
             <a:fld id="{C39AE962-E632-4B08-9C68-8D946479B504}" type="datetimeFigureOut">
               <a:rPr lang="en-US" smtClean="0"/>
-              <a:t>11/11/2021</a:t>
+              <a:t>11/13/2021</a:t>
             </a:fld>
             <a:endParaRPr lang="en-US" dirty="0"/>
           </a:p>
@@ -22215,7 +22215,7 @@
         <p:spPr>
           <a:xfrm>
             <a:off x="110827" y="2334491"/>
-            <a:ext cx="5948215" cy="1477328"/>
+            <a:ext cx="5948215" cy="1754326"/>
           </a:xfrm>
           <a:prstGeom prst="rect">
             <a:avLst/>
@@ -22239,14 +22239,22 @@
             </a:r>
             <a:r>
               <a:rPr lang="en-US" dirty="0"/>
-              <a:t>=1; MenuLevel2 =! 0;</a:t>
-            </a:r>
-          </a:p>
-          <a:p>
+              <a:t>=1; </a:t>
+            </a:r>
+            <a:r>
+              <a:rPr lang="en-US"/>
+              <a:t>	menuLevel3=1;</a:t>
+            </a:r>
             <a:endParaRPr lang="en-US" dirty="0"/>
           </a:p>
           <a:p>
             <a:r>
+              <a:rPr lang="en-US" dirty="0"/>
+              <a:t>MenuLevel2 =! 0;</a:t>
+            </a:r>
+          </a:p>
+          <a:p>
+            <a:r>
               <a:rPr lang="en-US" noProof="1"/>
               <a:t>MenuSelectionOption =2;</a:t>
             </a:r>
@@ -22267,6 +22275,9 @@
               <a:rPr lang="en-US" dirty="0"/>
               <a:t> =0;</a:t>
             </a:r>
+          </a:p>
+          <a:p>
+            <a:endParaRPr lang="en-US" dirty="0"/>
           </a:p>
         </p:txBody>
       </p:sp>

--- a/ScreensAndVariables.pptx
+++ b/ScreensAndVariables.pptx
@@ -300,7 +300,7 @@
           <a:p>
             <a:fld id="{C39AE962-E632-4B08-9C68-8D946479B504}" type="datetimeFigureOut">
               <a:rPr lang="en-US" smtClean="0"/>
-              <a:t>11/13/2021</a:t>
+              <a:t>11/14/2021</a:t>
             </a:fld>
             <a:endParaRPr lang="en-US" dirty="0"/>
           </a:p>
@@ -498,7 +498,7 @@
           <a:p>
             <a:fld id="{C39AE962-E632-4B08-9C68-8D946479B504}" type="datetimeFigureOut">
               <a:rPr lang="en-US" smtClean="0"/>
-              <a:t>11/13/2021</a:t>
+              <a:t>11/14/2021</a:t>
             </a:fld>
             <a:endParaRPr lang="en-US" dirty="0"/>
           </a:p>
@@ -706,7 +706,7 @@
           <a:p>
             <a:fld id="{C39AE962-E632-4B08-9C68-8D946479B504}" type="datetimeFigureOut">
               <a:rPr lang="en-US" smtClean="0"/>
-              <a:t>11/13/2021</a:t>
+              <a:t>11/14/2021</a:t>
             </a:fld>
             <a:endParaRPr lang="en-US" dirty="0"/>
           </a:p>
@@ -904,7 +904,7 @@
           <a:p>
             <a:fld id="{C39AE962-E632-4B08-9C68-8D946479B504}" type="datetimeFigureOut">
               <a:rPr lang="en-US" smtClean="0"/>
-              <a:t>11/13/2021</a:t>
+              <a:t>11/14/2021</a:t>
             </a:fld>
             <a:endParaRPr lang="en-US" dirty="0"/>
           </a:p>
@@ -1179,7 +1179,7 @@
           <a:p>
             <a:fld id="{C39AE962-E632-4B08-9C68-8D946479B504}" type="datetimeFigureOut">
               <a:rPr lang="en-US" smtClean="0"/>
-              <a:t>11/13/2021</a:t>
+              <a:t>11/14/2021</a:t>
             </a:fld>
             <a:endParaRPr lang="en-US" dirty="0"/>
           </a:p>
@@ -1444,7 +1444,7 @@
           <a:p>
             <a:fld id="{C39AE962-E632-4B08-9C68-8D946479B504}" type="datetimeFigureOut">
               <a:rPr lang="en-US" smtClean="0"/>
-              <a:t>11/13/2021</a:t>
+              <a:t>11/14/2021</a:t>
             </a:fld>
             <a:endParaRPr lang="en-US" dirty="0"/>
           </a:p>
@@ -1856,7 +1856,7 @@
           <a:p>
             <a:fld id="{C39AE962-E632-4B08-9C68-8D946479B504}" type="datetimeFigureOut">
               <a:rPr lang="en-US" smtClean="0"/>
-              <a:t>11/13/2021</a:t>
+              <a:t>11/14/2021</a:t>
             </a:fld>
             <a:endParaRPr lang="en-US" dirty="0"/>
           </a:p>
@@ -1997,7 +1997,7 @@
           <a:p>
             <a:fld id="{C39AE962-E632-4B08-9C68-8D946479B504}" type="datetimeFigureOut">
               <a:rPr lang="en-US" smtClean="0"/>
-              <a:t>11/13/2021</a:t>
+              <a:t>11/14/2021</a:t>
             </a:fld>
             <a:endParaRPr lang="en-US" dirty="0"/>
           </a:p>
@@ -2110,7 +2110,7 @@
           <a:p>
             <a:fld id="{C39AE962-E632-4B08-9C68-8D946479B504}" type="datetimeFigureOut">
               <a:rPr lang="en-US" smtClean="0"/>
-              <a:t>11/13/2021</a:t>
+              <a:t>11/14/2021</a:t>
             </a:fld>
             <a:endParaRPr lang="en-US" dirty="0"/>
           </a:p>
@@ -2421,7 +2421,7 @@
           <a:p>
             <a:fld id="{C39AE962-E632-4B08-9C68-8D946479B504}" type="datetimeFigureOut">
               <a:rPr lang="en-US" smtClean="0"/>
-              <a:t>11/13/2021</a:t>
+              <a:t>11/14/2021</a:t>
             </a:fld>
             <a:endParaRPr lang="en-US" dirty="0"/>
           </a:p>
@@ -2709,7 +2709,7 @@
           <a:p>
             <a:fld id="{C39AE962-E632-4B08-9C68-8D946479B504}" type="datetimeFigureOut">
               <a:rPr lang="en-US" smtClean="0"/>
-              <a:t>11/13/2021</a:t>
+              <a:t>11/14/2021</a:t>
             </a:fld>
             <a:endParaRPr lang="en-US" dirty="0"/>
           </a:p>
@@ -2950,7 +2950,7 @@
           <a:p>
             <a:fld id="{C39AE962-E632-4B08-9C68-8D946479B504}" type="datetimeFigureOut">
               <a:rPr lang="en-US" smtClean="0"/>
-              <a:t>11/13/2021</a:t>
+              <a:t>11/14/2021</a:t>
             </a:fld>
             <a:endParaRPr lang="en-US" dirty="0"/>
           </a:p>
@@ -7019,7 +7019,7 @@
         <p:spPr>
           <a:xfrm>
             <a:off x="6174504" y="3801918"/>
-            <a:ext cx="5948216" cy="1200329"/>
+            <a:ext cx="5948216" cy="1754326"/>
           </a:xfrm>
           <a:prstGeom prst="rect">
             <a:avLst/>
@@ -7060,6 +7060,31 @@
               <a:t>setTimePositionSettings = 0;</a:t>
             </a:r>
           </a:p>
+          <a:p>
+            <a:r>
+              <a:rPr lang="en-US" b="0" dirty="0" err="1">
+                <a:solidFill>
+                  <a:srgbClr val="DCDCAA"/>
+                </a:solidFill>
+                <a:effectLst/>
+                <a:latin typeface="Consolas" panose="020B0609020204030204" pitchFamily="49" charset="0"/>
+              </a:rPr>
+              <a:t>updateRTC</a:t>
+            </a:r>
+            <a:r>
+              <a:rPr lang="en-US" b="0" dirty="0">
+                <a:solidFill>
+                  <a:srgbClr val="D4D4D4"/>
+                </a:solidFill>
+                <a:effectLst/>
+                <a:latin typeface="Consolas" panose="020B0609020204030204" pitchFamily="49" charset="0"/>
+              </a:rPr>
+              <a:t>();</a:t>
+            </a:r>
+          </a:p>
+          <a:p>
+            <a:endParaRPr lang="en-US" noProof="1"/>
+          </a:p>
         </p:txBody>
       </p:sp>
       <p:sp>
@@ -7444,7 +7469,7 @@
         <p:spPr>
           <a:xfrm>
             <a:off x="3121883" y="5471085"/>
-            <a:ext cx="2974113" cy="923330"/>
+            <a:ext cx="2974113" cy="1200329"/>
           </a:xfrm>
           <a:prstGeom prst="rect">
             <a:avLst/>
@@ -7472,6 +7497,9 @@
               <a:rPr lang="en-US" dirty="0"/>
               <a:t>MenuLevel1 = 4;</a:t>
             </a:r>
+          </a:p>
+          <a:p>
+            <a:endParaRPr lang="en-US" dirty="0"/>
           </a:p>
           <a:p>
             <a:endParaRPr lang="en-US" dirty="0"/>
@@ -33883,7 +33911,7 @@
         <p:spPr>
           <a:xfrm>
             <a:off x="3121883" y="5471085"/>
-            <a:ext cx="2974113" cy="1477328"/>
+            <a:ext cx="8543644" cy="1477328"/>
           </a:xfrm>
           <a:prstGeom prst="rect">
             <a:avLst/>
@@ -33907,8 +33935,29 @@
             </a:r>
             <a:r>
               <a:rPr lang="en-US" dirty="0"/>
-              <a:t>=1;</a:t>
-            </a:r>
+              <a:t>=1;			</a:t>
+            </a:r>
+            <a:r>
+              <a:rPr lang="en-US" b="0" dirty="0" err="1">
+                <a:solidFill>
+                  <a:srgbClr val="DCDCAA"/>
+                </a:solidFill>
+                <a:effectLst/>
+                <a:latin typeface="Consolas" panose="020B0609020204030204" pitchFamily="49" charset="0"/>
+              </a:rPr>
+              <a:t>updateSetClockVariables</a:t>
+            </a:r>
+            <a:r>
+              <a:rPr lang="en-US" b="0" dirty="0">
+                <a:solidFill>
+                  <a:srgbClr val="D4D4D4"/>
+                </a:solidFill>
+                <a:effectLst/>
+                <a:latin typeface="Consolas" panose="020B0609020204030204" pitchFamily="49" charset="0"/>
+              </a:rPr>
+              <a:t>();</a:t>
+            </a:r>
+            <a:endParaRPr lang="en-US" dirty="0"/>
           </a:p>
           <a:p>
             <a:r>
